--- a/WebServer CoolBlogs.pptx
+++ b/WebServer CoolBlogs.pptx
@@ -112,6 +112,11 @@
       </a:defRPr>
     </a:lvl9pPr>
   </p:defaultTextStyle>
+  <p:extLst>
+    <p:ext uri="{EFAFB233-063F-42B5-8137-9DF3F51BA10A}">
+      <p15:sldGuideLst xmlns:p15="http://schemas.microsoft.com/office/powerpoint/2012/main"/>
+    </p:ext>
+  </p:extLst>
 </p:presentation>
 </file>
 
@@ -210,7 +215,7 @@
           <a:effectLst/>
           <a:extLst>
             <a:ext uri="{91240B29-F687-4f45-9708-019B960494DF}">
-              <a14:hiddenLine xmlns:a14="http://schemas.microsoft.com/office/drawing/2010/main" xmlns="" w="9525">
+              <a14:hiddenLine xmlns="" xmlns:a14="http://schemas.microsoft.com/office/drawing/2010/main" w="9525">
                 <a:solidFill>
                   <a:srgbClr val="000000"/>
                 </a:solidFill>
@@ -402,7 +407,7 @@
           <a:p>
             <a:fld id="{D343E153-CFDD-40BE-86BB-AF4E954FF353}" type="datetimeFigureOut">
               <a:rPr lang="ru-RU" smtClean="0"/>
-              <a:t>29.04.2021</a:t>
+              <a:t>30.04.2021</a:t>
             </a:fld>
             <a:endParaRPr lang="ru-RU"/>
           </a:p>
@@ -720,7 +725,7 @@
           <a:p>
             <a:fld id="{D343E153-CFDD-40BE-86BB-AF4E954FF353}" type="datetimeFigureOut">
               <a:rPr lang="ru-RU" smtClean="0"/>
-              <a:t>29.04.2021</a:t>
+              <a:t>30.04.2021</a:t>
             </a:fld>
             <a:endParaRPr lang="ru-RU"/>
           </a:p>
@@ -1208,7 +1213,7 @@
           <a:p>
             <a:fld id="{D343E153-CFDD-40BE-86BB-AF4E954FF353}" type="datetimeFigureOut">
               <a:rPr lang="ru-RU" smtClean="0"/>
-              <a:t>29.04.2021</a:t>
+              <a:t>30.04.2021</a:t>
             </a:fld>
             <a:endParaRPr lang="ru-RU"/>
           </a:p>
@@ -1577,7 +1582,7 @@
           <a:p>
             <a:fld id="{D343E153-CFDD-40BE-86BB-AF4E954FF353}" type="datetimeFigureOut">
               <a:rPr lang="ru-RU" smtClean="0"/>
-              <a:t>29.04.2021</a:t>
+              <a:t>30.04.2021</a:t>
             </a:fld>
             <a:endParaRPr lang="ru-RU"/>
           </a:p>
@@ -1732,7 +1737,7 @@
           <a:ln/>
           <a:extLst>
             <a:ext uri="{91240B29-F687-4f45-9708-019B960494DF}">
-              <a14:hiddenLine xmlns:a14="http://schemas.microsoft.com/office/drawing/2010/main" xmlns="" w="9525">
+              <a14:hiddenLine xmlns="" xmlns:a14="http://schemas.microsoft.com/office/drawing/2010/main" w="9525">
                 <a:solidFill>
                   <a:srgbClr val="000000"/>
                 </a:solidFill>
@@ -1850,7 +1855,7 @@
           <a:p>
             <a:fld id="{D343E153-CFDD-40BE-86BB-AF4E954FF353}" type="datetimeFigureOut">
               <a:rPr lang="ru-RU" smtClean="0"/>
-              <a:t>29.04.2021</a:t>
+              <a:t>30.04.2021</a:t>
             </a:fld>
             <a:endParaRPr lang="ru-RU"/>
           </a:p>
@@ -2007,7 +2012,7 @@
           <a:ln/>
           <a:extLst>
             <a:ext uri="{91240B29-F687-4f45-9708-019B960494DF}">
-              <a14:hiddenLine xmlns:a14="http://schemas.microsoft.com/office/drawing/2010/main" xmlns="" w="9525">
+              <a14:hiddenLine xmlns="" xmlns:a14="http://schemas.microsoft.com/office/drawing/2010/main" w="9525">
                 <a:solidFill>
                   <a:srgbClr val="000000"/>
                 </a:solidFill>
@@ -2135,7 +2140,7 @@
           <a:p>
             <a:fld id="{D343E153-CFDD-40BE-86BB-AF4E954FF353}" type="datetimeFigureOut">
               <a:rPr lang="ru-RU" smtClean="0"/>
-              <a:t>29.04.2021</a:t>
+              <a:t>30.04.2021</a:t>
             </a:fld>
             <a:endParaRPr lang="ru-RU"/>
           </a:p>
@@ -2290,7 +2295,7 @@
           <a:ln/>
           <a:extLst>
             <a:ext uri="{91240B29-F687-4f45-9708-019B960494DF}">
-              <a14:hiddenLine xmlns:a14="http://schemas.microsoft.com/office/drawing/2010/main" xmlns="" w="9525">
+              <a14:hiddenLine xmlns="" xmlns:a14="http://schemas.microsoft.com/office/drawing/2010/main" w="9525">
                 <a:solidFill>
                   <a:srgbClr val="000000"/>
                 </a:solidFill>
@@ -2418,7 +2423,7 @@
           <a:p>
             <a:fld id="{D343E153-CFDD-40BE-86BB-AF4E954FF353}" type="datetimeFigureOut">
               <a:rPr lang="ru-RU" smtClean="0"/>
-              <a:t>29.04.2021</a:t>
+              <a:t>30.04.2021</a:t>
             </a:fld>
             <a:endParaRPr lang="ru-RU"/>
           </a:p>
@@ -2761,7 +2766,7 @@
           <a:p>
             <a:fld id="{D343E153-CFDD-40BE-86BB-AF4E954FF353}" type="datetimeFigureOut">
               <a:rPr lang="ru-RU" smtClean="0"/>
-              <a:t>29.04.2021</a:t>
+              <a:t>30.04.2021</a:t>
             </a:fld>
             <a:endParaRPr lang="ru-RU"/>
           </a:p>
@@ -2916,7 +2921,7 @@
           <a:ln/>
           <a:extLst>
             <a:ext uri="{91240B29-F687-4f45-9708-019B960494DF}">
-              <a14:hiddenLine xmlns:a14="http://schemas.microsoft.com/office/drawing/2010/main" xmlns="" w="9525">
+              <a14:hiddenLine xmlns="" xmlns:a14="http://schemas.microsoft.com/office/drawing/2010/main" w="9525">
                 <a:solidFill>
                   <a:srgbClr val="000000"/>
                 </a:solidFill>
@@ -3100,7 +3105,7 @@
           <a:p>
             <a:fld id="{D343E153-CFDD-40BE-86BB-AF4E954FF353}" type="datetimeFigureOut">
               <a:rPr lang="ru-RU" smtClean="0"/>
-              <a:t>29.04.2021</a:t>
+              <a:t>30.04.2021</a:t>
             </a:fld>
             <a:endParaRPr lang="ru-RU"/>
           </a:p>
@@ -3260,7 +3265,7 @@
           <a:ln/>
           <a:extLst>
             <a:ext uri="{91240B29-F687-4f45-9708-019B960494DF}">
-              <a14:hiddenLine xmlns:a14="http://schemas.microsoft.com/office/drawing/2010/main" xmlns="" w="9525">
+              <a14:hiddenLine xmlns="" xmlns:a14="http://schemas.microsoft.com/office/drawing/2010/main" w="9525">
                 <a:solidFill>
                   <a:srgbClr val="000000"/>
                 </a:solidFill>
@@ -3582,7 +3587,7 @@
           <a:p>
             <a:fld id="{D343E153-CFDD-40BE-86BB-AF4E954FF353}" type="datetimeFigureOut">
               <a:rPr lang="ru-RU" smtClean="0"/>
-              <a:t>29.04.2021</a:t>
+              <a:t>30.04.2021</a:t>
             </a:fld>
             <a:endParaRPr lang="ru-RU"/>
           </a:p>
@@ -3742,7 +3747,7 @@
           <a:ln/>
           <a:extLst>
             <a:ext uri="{91240B29-F687-4f45-9708-019B960494DF}">
-              <a14:hiddenLine xmlns:a14="http://schemas.microsoft.com/office/drawing/2010/main" xmlns="" w="9525">
+              <a14:hiddenLine xmlns="" xmlns:a14="http://schemas.microsoft.com/office/drawing/2010/main" w="9525">
                 <a:solidFill>
                   <a:srgbClr val="000000"/>
                 </a:solidFill>
@@ -3808,7 +3813,7 @@
           <a:p>
             <a:fld id="{D343E153-CFDD-40BE-86BB-AF4E954FF353}" type="datetimeFigureOut">
               <a:rPr lang="ru-RU" smtClean="0"/>
-              <a:t>29.04.2021</a:t>
+              <a:t>30.04.2021</a:t>
             </a:fld>
             <a:endParaRPr lang="ru-RU"/>
           </a:p>
@@ -3903,7 +3908,7 @@
           <a:p>
             <a:fld id="{D343E153-CFDD-40BE-86BB-AF4E954FF353}" type="datetimeFigureOut">
               <a:rPr lang="ru-RU" smtClean="0"/>
-              <a:t>29.04.2021</a:t>
+              <a:t>30.04.2021</a:t>
             </a:fld>
             <a:endParaRPr lang="ru-RU"/>
           </a:p>
@@ -4171,7 +4176,7 @@
           <a:ln/>
           <a:extLst>
             <a:ext uri="{91240B29-F687-4f45-9708-019B960494DF}">
-              <a14:hiddenLine xmlns:a14="http://schemas.microsoft.com/office/drawing/2010/main" xmlns="" w="9525">
+              <a14:hiddenLine xmlns="" xmlns:a14="http://schemas.microsoft.com/office/drawing/2010/main" w="9525">
                 <a:solidFill>
                   <a:srgbClr val="000000"/>
                 </a:solidFill>
@@ -4370,7 +4375,7 @@
           <a:p>
             <a:fld id="{D343E153-CFDD-40BE-86BB-AF4E954FF353}" type="datetimeFigureOut">
               <a:rPr lang="ru-RU" smtClean="0"/>
-              <a:t>29.04.2021</a:t>
+              <a:t>30.04.2021</a:t>
             </a:fld>
             <a:endParaRPr lang="ru-RU"/>
           </a:p>
@@ -4688,7 +4693,7 @@
           <a:p>
             <a:fld id="{D343E153-CFDD-40BE-86BB-AF4E954FF353}" type="datetimeFigureOut">
               <a:rPr lang="ru-RU" smtClean="0"/>
-              <a:t>29.04.2021</a:t>
+              <a:t>30.04.2021</a:t>
             </a:fld>
             <a:endParaRPr lang="ru-RU"/>
           </a:p>
@@ -4958,7 +4963,7 @@
           <a:p>
             <a:fld id="{D343E153-CFDD-40BE-86BB-AF4E954FF353}" type="datetimeFigureOut">
               <a:rPr lang="ru-RU" smtClean="0"/>
-              <a:t>29.04.2021</a:t>
+              <a:t>30.04.2021</a:t>
             </a:fld>
             <a:endParaRPr lang="ru-RU"/>
           </a:p>
@@ -5470,7 +5475,6 @@
               <a:rPr lang="ru-RU" dirty="0"/>
               <a:t> Дарья</a:t>
             </a:r>
-            <a:endParaRPr lang="ru-RU" dirty="0"/>
           </a:p>
         </p:txBody>
       </p:sp>
@@ -5484,6 +5488,13 @@
   <p:clrMapOvr>
     <a:masterClrMapping/>
   </p:clrMapOvr>
+  <p:timing>
+    <p:tnLst>
+      <p:par>
+        <p:cTn id="1" dur="indefinite" restart="never" nodeType="tmRoot"/>
+      </p:par>
+    </p:tnLst>
+  </p:timing>
 </p:sld>
 </file>
 
@@ -5584,6 +5595,13 @@
   <p:clrMapOvr>
     <a:masterClrMapping/>
   </p:clrMapOvr>
+  <p:timing>
+    <p:tnLst>
+      <p:par>
+        <p:cTn id="1" dur="indefinite" restart="never" nodeType="tmRoot"/>
+      </p:par>
+    </p:tnLst>
+  </p:timing>
 </p:sld>
 </file>
 
@@ -5688,6 +5706,13 @@
   <p:clrMapOvr>
     <a:masterClrMapping/>
   </p:clrMapOvr>
+  <p:timing>
+    <p:tnLst>
+      <p:par>
+        <p:cTn id="1" dur="indefinite" restart="never" nodeType="tmRoot"/>
+      </p:par>
+    </p:tnLst>
+  </p:timing>
 </p:sld>
 </file>
 
@@ -6059,7 +6084,23 @@
             </a:r>
             <a:r>
               <a:rPr lang="ru-RU" dirty="0" smtClean="0"/>
-              <a:t> я использовала сайт </a:t>
+              <a:t> я </a:t>
+            </a:r>
+            <a:r>
+              <a:rPr lang="ru-RU" dirty="0" smtClean="0"/>
+              <a:t>использовала</a:t>
+            </a:r>
+            <a:r>
+              <a:rPr lang="en-US" dirty="0" smtClean="0"/>
+              <a:t> c</a:t>
+            </a:r>
+            <a:r>
+              <a:rPr lang="ru-RU" dirty="0" err="1" smtClean="0"/>
+              <a:t>ервис</a:t>
+            </a:r>
+            <a:r>
+              <a:rPr lang="ru-RU" dirty="0" smtClean="0"/>
+              <a:t> </a:t>
             </a:r>
             <a:r>
               <a:rPr lang="en-US" dirty="0" err="1" smtClean="0"/>
@@ -6075,7 +6116,19 @@
             </a:r>
             <a:r>
               <a:rPr lang="ru-RU" dirty="0" smtClean="0"/>
-              <a:t> по почте. Для этого мне пришлось добавить в класс </a:t>
+              <a:t> </a:t>
+            </a:r>
+            <a:r>
+              <a:rPr lang="ru-RU" smtClean="0"/>
+              <a:t>к конкретной</a:t>
+            </a:r>
+            <a:r>
+              <a:rPr lang="ru-RU" smtClean="0"/>
+              <a:t> </a:t>
+            </a:r>
+            <a:r>
+              <a:rPr lang="ru-RU" dirty="0" smtClean="0"/>
+              <a:t>почте. Для этого мне пришлось добавить в класс </a:t>
             </a:r>
             <a:r>
               <a:rPr lang="en-US" dirty="0" smtClean="0"/>
